--- a/ICS474 - Assignment 1.pptx
+++ b/ICS474 - Assignment 1.pptx
@@ -12,25 +12,26 @@
     <p:sldId id="260" r:id="rId10"/>
     <p:sldId id="261" r:id="rId11"/>
     <p:sldId id="262" r:id="rId12"/>
+    <p:sldId id="263" r:id="rId13"/>
   </p:sldIdLst>
   <p:sldSz cx="18288000" cy="10287000"/>
   <p:notesSz cx="6858000" cy="9144000"/>
   <p:embeddedFontLst>
     <p:embeddedFont>
       <p:font typeface="Canva Sans Bold" charset="1" panose="020B0803030501040103"/>
-      <p:regular r:id="rId13"/>
+      <p:regular r:id="rId14"/>
     </p:embeddedFont>
     <p:embeddedFont>
       <p:font typeface="Poppins Bold" charset="1" panose="00000800000000000000"/>
-      <p:regular r:id="rId14"/>
+      <p:regular r:id="rId15"/>
     </p:embeddedFont>
     <p:embeddedFont>
       <p:font typeface="Poppins" charset="1" panose="00000500000000000000"/>
-      <p:regular r:id="rId15"/>
+      <p:regular r:id="rId16"/>
     </p:embeddedFont>
     <p:embeddedFont>
       <p:font typeface="Poppins Italics" charset="1" panose="00000500000000000000"/>
-      <p:regular r:id="rId16"/>
+      <p:regular r:id="rId17"/>
     </p:embeddedFont>
   </p:embeddedFontLst>
   <p:defaultTextStyle>
@@ -7840,8 +7841,8 @@
         </p:nvSpPr>
         <p:spPr>
           <a:xfrm flipH="false" flipV="false" rot="0">
-            <a:off x="6745830" y="4034463"/>
-            <a:ext cx="4796340" cy="2877804"/>
+            <a:off x="6898714" y="3701506"/>
+            <a:ext cx="4490571" cy="2694343"/>
           </a:xfrm>
           <a:custGeom>
             <a:avLst/>
@@ -7850,18 +7851,18 @@
             <a:cxnLst/>
             <a:rect r="r" b="b" t="t" l="l"/>
             <a:pathLst>
-              <a:path h="2877804" w="4796340">
+              <a:path h="2694343" w="4490571">
                 <a:moveTo>
                   <a:pt x="0" y="0"/>
                 </a:moveTo>
                 <a:lnTo>
-                  <a:pt x="4796340" y="0"/>
+                  <a:pt x="4490572" y="0"/>
                 </a:lnTo>
                 <a:lnTo>
-                  <a:pt x="4796340" y="2877804"/>
+                  <a:pt x="4490572" y="2694343"/>
                 </a:lnTo>
                 <a:lnTo>
-                  <a:pt x="0" y="2877804"/>
+                  <a:pt x="0" y="2694343"/>
                 </a:lnTo>
                 <a:lnTo>
                   <a:pt x="0" y="0"/>
@@ -7886,8 +7887,8 @@
         </p:nvSpPr>
         <p:spPr>
           <a:xfrm flipH="false" flipV="false" rot="0">
-            <a:off x="1071998" y="4034463"/>
-            <a:ext cx="4796340" cy="2877804"/>
+            <a:off x="1586592" y="3701506"/>
+            <a:ext cx="4490571" cy="2694343"/>
           </a:xfrm>
           <a:custGeom>
             <a:avLst/>
@@ -7896,18 +7897,18 @@
             <a:cxnLst/>
             <a:rect r="r" b="b" t="t" l="l"/>
             <a:pathLst>
-              <a:path h="2877804" w="4796340">
+              <a:path h="2694343" w="4490571">
                 <a:moveTo>
                   <a:pt x="0" y="0"/>
                 </a:moveTo>
                 <a:lnTo>
-                  <a:pt x="4796341" y="0"/>
+                  <a:pt x="4490572" y="0"/>
                 </a:lnTo>
                 <a:lnTo>
-                  <a:pt x="4796341" y="2877804"/>
+                  <a:pt x="4490572" y="2694343"/>
                 </a:lnTo>
                 <a:lnTo>
-                  <a:pt x="0" y="2877804"/>
+                  <a:pt x="0" y="2694343"/>
                 </a:lnTo>
                 <a:lnTo>
                   <a:pt x="0" y="0"/>
@@ -7932,8 +7933,8 @@
         </p:nvSpPr>
         <p:spPr>
           <a:xfrm flipH="false" flipV="false" rot="0">
-            <a:off x="12419661" y="4034463"/>
-            <a:ext cx="4796340" cy="2877804"/>
+            <a:off x="12210836" y="3701506"/>
+            <a:ext cx="4490571" cy="2694343"/>
           </a:xfrm>
           <a:custGeom>
             <a:avLst/>
@@ -7942,18 +7943,18 @@
             <a:cxnLst/>
             <a:rect r="r" b="b" t="t" l="l"/>
             <a:pathLst>
-              <a:path h="2877804" w="4796340">
+              <a:path h="2694343" w="4490571">
                 <a:moveTo>
                   <a:pt x="0" y="0"/>
                 </a:moveTo>
                 <a:lnTo>
-                  <a:pt x="4796341" y="0"/>
+                  <a:pt x="4490572" y="0"/>
                 </a:lnTo>
                 <a:lnTo>
-                  <a:pt x="4796341" y="2877804"/>
+                  <a:pt x="4490572" y="2694343"/>
                 </a:lnTo>
                 <a:lnTo>
-                  <a:pt x="0" y="2877804"/>
+                  <a:pt x="0" y="2694343"/>
                 </a:lnTo>
                 <a:lnTo>
                   <a:pt x="0" y="0"/>
@@ -8048,6 +8049,939 @@
                 <a:sym typeface="Poppins Bold"/>
               </a:rPr>
               <a:t>APACHE FLINK</a:t>
+            </a:r>
+          </a:p>
+        </p:txBody>
+      </p:sp>
+      <p:sp>
+        <p:nvSpPr>
+          <p:cNvPr name="TextBox 14" id="14"/>
+          <p:cNvSpPr txBox="true"/>
+          <p:nvPr/>
+        </p:nvSpPr>
+        <p:spPr>
+          <a:xfrm rot="0">
+            <a:off x="1406243" y="6395849"/>
+            <a:ext cx="15475514" cy="2977515"/>
+          </a:xfrm>
+          <a:prstGeom prst="rect">
+            <a:avLst/>
+          </a:prstGeom>
+        </p:spPr>
+        <p:txBody>
+          <a:bodyPr anchor="t" rtlCol="false" tIns="0" lIns="0" bIns="0" rIns="0">
+            <a:spAutoFit/>
+          </a:bodyPr>
+          <a:lstStyle/>
+          <a:p>
+            <a:pPr algn="just" marL="474978" indent="-237489" lvl="1">
+              <a:lnSpc>
+                <a:spcPts val="2969"/>
+              </a:lnSpc>
+              <a:buFont typeface="Arial"/>
+              <a:buChar char="•"/>
+            </a:pPr>
+            <a:r>
+              <a:rPr lang="en-US" b="true" sz="2199" spc="68">
+                <a:solidFill>
+                  <a:srgbClr val="2B2B2B"/>
+                </a:solidFill>
+                <a:latin typeface="Poppins Bold"/>
+                <a:ea typeface="Poppins Bold"/>
+                <a:cs typeface="Poppins Bold"/>
+                <a:sym typeface="Poppins Bold"/>
+              </a:rPr>
+              <a:t>Data scaling: </a:t>
+            </a:r>
+            <a:r>
+              <a:rPr lang="en-US" sz="2199" spc="68">
+                <a:solidFill>
+                  <a:srgbClr val="2B2B2B"/>
+                </a:solidFill>
+                <a:latin typeface="Poppins"/>
+                <a:ea typeface="Poppins"/>
+                <a:cs typeface="Poppins"/>
+                <a:sym typeface="Poppins"/>
+              </a:rPr>
+              <a:t>Time grew linearly with size, confirming predictable throughput and efficient scaling.</a:t>
+            </a:r>
+          </a:p>
+          <a:p>
+            <a:pPr algn="just" marL="474978" indent="-237489" lvl="1">
+              <a:lnSpc>
+                <a:spcPts val="2969"/>
+              </a:lnSpc>
+              <a:buFont typeface="Arial"/>
+              <a:buChar char="•"/>
+            </a:pPr>
+            <a:r>
+              <a:rPr lang="en-US" b="true" sz="2199" spc="68">
+                <a:solidFill>
+                  <a:srgbClr val="2B2B2B"/>
+                </a:solidFill>
+                <a:latin typeface="Poppins Bold"/>
+                <a:ea typeface="Poppins Bold"/>
+                <a:cs typeface="Poppins Bold"/>
+                <a:sym typeface="Poppins Bold"/>
+              </a:rPr>
+              <a:t>Parallel execution: </a:t>
+            </a:r>
+            <a:r>
+              <a:rPr lang="en-US" sz="2199" spc="68">
+                <a:solidFill>
+                  <a:srgbClr val="2B2B2B"/>
+                </a:solidFill>
+                <a:latin typeface="Poppins"/>
+                <a:ea typeface="Poppins"/>
+                <a:cs typeface="Poppins"/>
+                <a:sym typeface="Poppins"/>
+              </a:rPr>
+              <a:t>CPU usage/node decreased as workload was distributed across more TMs.</a:t>
+            </a:r>
+          </a:p>
+          <a:p>
+            <a:pPr algn="just" marL="474978" indent="-237489" lvl="1">
+              <a:lnSpc>
+                <a:spcPts val="2969"/>
+              </a:lnSpc>
+              <a:buFont typeface="Arial"/>
+              <a:buChar char="•"/>
+            </a:pPr>
+            <a:r>
+              <a:rPr lang="en-US" b="true" sz="2199" spc="68">
+                <a:solidFill>
+                  <a:srgbClr val="2B2B2B"/>
+                </a:solidFill>
+                <a:latin typeface="Poppins Bold"/>
+                <a:ea typeface="Poppins Bold"/>
+                <a:cs typeface="Poppins Bold"/>
+                <a:sym typeface="Poppins Bold"/>
+              </a:rPr>
+              <a:t>Scalability: </a:t>
+            </a:r>
+            <a:r>
+              <a:rPr lang="en-US" sz="2199" spc="68">
+                <a:solidFill>
+                  <a:srgbClr val="2B2B2B"/>
+                </a:solidFill>
+                <a:latin typeface="Poppins"/>
+                <a:ea typeface="Poppins"/>
+                <a:cs typeface="Poppins"/>
+                <a:sym typeface="Poppins"/>
+              </a:rPr>
+              <a:t>Adding nodes reduced runtime but with diminishing returns due to network and coordination overhead.</a:t>
+            </a:r>
+          </a:p>
+          <a:p>
+            <a:pPr algn="just" marL="474978" indent="-237489" lvl="1">
+              <a:lnSpc>
+                <a:spcPts val="2969"/>
+              </a:lnSpc>
+              <a:buFont typeface="Arial"/>
+              <a:buChar char="•"/>
+            </a:pPr>
+            <a:r>
+              <a:rPr lang="en-US" b="true" sz="2199" spc="68">
+                <a:solidFill>
+                  <a:srgbClr val="2B2B2B"/>
+                </a:solidFill>
+                <a:latin typeface="Poppins Bold"/>
+                <a:ea typeface="Poppins Bold"/>
+                <a:cs typeface="Poppins Bold"/>
+                <a:sym typeface="Poppins Bold"/>
+              </a:rPr>
+              <a:t>Network impact: </a:t>
+            </a:r>
+            <a:r>
+              <a:rPr lang="en-US" sz="2199" spc="68">
+                <a:solidFill>
+                  <a:srgbClr val="2B2B2B"/>
+                </a:solidFill>
+                <a:latin typeface="Poppins"/>
+                <a:ea typeface="Poppins"/>
+                <a:cs typeface="Poppins"/>
+                <a:sym typeface="Poppins"/>
+              </a:rPr>
+              <a:t>Higher inter-node shuffling increased I/O in multi-node runs, showing distributed communication.</a:t>
+            </a:r>
+          </a:p>
+          <a:p>
+            <a:pPr algn="just">
+              <a:lnSpc>
+                <a:spcPts val="2969"/>
+              </a:lnSpc>
+            </a:pPr>
+          </a:p>
+          <a:p>
+            <a:pPr algn="just">
+              <a:lnSpc>
+                <a:spcPts val="2969"/>
+              </a:lnSpc>
+              <a:spcBef>
+                <a:spcPct val="0"/>
+              </a:spcBef>
+            </a:pPr>
+            <a:r>
+              <a:rPr lang="en-US" sz="2199" spc="68">
+                <a:solidFill>
+                  <a:srgbClr val="2B2B2B"/>
+                </a:solidFill>
+                <a:latin typeface="Poppins"/>
+                <a:ea typeface="Poppins"/>
+                <a:cs typeface="Poppins"/>
+                <a:sym typeface="Poppins"/>
+              </a:rPr>
+              <a:t>More details can be found in the README file (i.e. comments per experiment variable).</a:t>
+            </a:r>
+          </a:p>
+        </p:txBody>
+      </p:sp>
+    </p:spTree>
+  </p:cSld>
+  <p:clrMapOvr>
+    <a:masterClrMapping/>
+  </p:clrMapOvr>
+</p:sld>
+</file>
+
+<file path=ppt/slides/slide8.xml><?xml version="1.0" encoding="utf-8"?>
+<p:sld xmlns:p="http://schemas.openxmlformats.org/presentationml/2006/main" xmlns:a="http://schemas.openxmlformats.org/drawingml/2006/main">
+  <p:cSld>
+    <p:spTree>
+      <p:nvGrpSpPr>
+        <p:cNvPr id="1" name=""/>
+        <p:cNvGrpSpPr/>
+        <p:nvPr/>
+      </p:nvGrpSpPr>
+      <p:grpSpPr>
+        <a:xfrm>
+          <a:off x="0" y="0"/>
+          <a:ext cx="0" cy="0"/>
+          <a:chOff x="0" y="0"/>
+          <a:chExt cx="0" cy="0"/>
+        </a:xfrm>
+      </p:grpSpPr>
+      <p:grpSp>
+        <p:nvGrpSpPr>
+          <p:cNvPr name="Group 2" id="2"/>
+          <p:cNvGrpSpPr/>
+          <p:nvPr/>
+        </p:nvGrpSpPr>
+        <p:grpSpPr>
+          <a:xfrm rot="-3503507">
+            <a:off x="-2356457" y="6564794"/>
+            <a:ext cx="5968439" cy="2484763"/>
+            <a:chOff x="0" y="0"/>
+            <a:chExt cx="1571935" cy="654423"/>
+          </a:xfrm>
+        </p:grpSpPr>
+        <p:sp>
+          <p:nvSpPr>
+            <p:cNvPr name="Freeform 3" id="3"/>
+            <p:cNvSpPr/>
+            <p:nvPr/>
+          </p:nvSpPr>
+          <p:spPr>
+            <a:xfrm flipH="false" flipV="false" rot="0">
+              <a:off x="0" y="0"/>
+              <a:ext cx="1571935" cy="654423"/>
+            </a:xfrm>
+            <a:custGeom>
+              <a:avLst/>
+              <a:gdLst/>
+              <a:ahLst/>
+              <a:cxnLst/>
+              <a:rect r="r" b="b" t="t" l="l"/>
+              <a:pathLst>
+                <a:path h="654423" w="1571935">
+                  <a:moveTo>
+                    <a:pt x="66154" y="0"/>
+                  </a:moveTo>
+                  <a:lnTo>
+                    <a:pt x="1505780" y="0"/>
+                  </a:lnTo>
+                  <a:cubicBezTo>
+                    <a:pt x="1523326" y="0"/>
+                    <a:pt x="1540152" y="6970"/>
+                    <a:pt x="1552558" y="19376"/>
+                  </a:cubicBezTo>
+                  <a:cubicBezTo>
+                    <a:pt x="1564965" y="31782"/>
+                    <a:pt x="1571935" y="48609"/>
+                    <a:pt x="1571935" y="66154"/>
+                  </a:cubicBezTo>
+                  <a:lnTo>
+                    <a:pt x="1571935" y="588269"/>
+                  </a:lnTo>
+                  <a:cubicBezTo>
+                    <a:pt x="1571935" y="624805"/>
+                    <a:pt x="1542316" y="654423"/>
+                    <a:pt x="1505780" y="654423"/>
+                  </a:cubicBezTo>
+                  <a:lnTo>
+                    <a:pt x="66154" y="654423"/>
+                  </a:lnTo>
+                  <a:cubicBezTo>
+                    <a:pt x="29618" y="654423"/>
+                    <a:pt x="0" y="624805"/>
+                    <a:pt x="0" y="588269"/>
+                  </a:cubicBezTo>
+                  <a:lnTo>
+                    <a:pt x="0" y="66154"/>
+                  </a:lnTo>
+                  <a:cubicBezTo>
+                    <a:pt x="0" y="29618"/>
+                    <a:pt x="29618" y="0"/>
+                    <a:pt x="66154" y="0"/>
+                  </a:cubicBezTo>
+                  <a:close/>
+                </a:path>
+              </a:pathLst>
+            </a:custGeom>
+            <a:solidFill>
+              <a:srgbClr val="FFE9E9"/>
+            </a:solidFill>
+          </p:spPr>
+        </p:sp>
+        <p:sp>
+          <p:nvSpPr>
+            <p:cNvPr name="TextBox 4" id="4"/>
+            <p:cNvSpPr txBox="true"/>
+            <p:nvPr/>
+          </p:nvSpPr>
+          <p:spPr>
+            <a:xfrm>
+              <a:off x="0" y="-333375"/>
+              <a:ext cx="1571935" cy="987798"/>
+            </a:xfrm>
+            <a:prstGeom prst="rect">
+              <a:avLst/>
+            </a:prstGeom>
+          </p:spPr>
+          <p:txBody>
+            <a:bodyPr anchor="ctr" rtlCol="false" tIns="50800" lIns="50800" bIns="50800" rIns="50800"/>
+            <a:lstStyle/>
+            <a:p>
+              <a:pPr algn="ctr">
+                <a:lnSpc>
+                  <a:spcPts val="6249"/>
+                </a:lnSpc>
+              </a:pPr>
+            </a:p>
+          </p:txBody>
+        </p:sp>
+      </p:grpSp>
+      <p:grpSp>
+        <p:nvGrpSpPr>
+          <p:cNvPr name="Group 5" id="5"/>
+          <p:cNvGrpSpPr/>
+          <p:nvPr/>
+        </p:nvGrpSpPr>
+        <p:grpSpPr>
+          <a:xfrm rot="-3503507">
+            <a:off x="14958997" y="1874234"/>
+            <a:ext cx="6145518" cy="2741564"/>
+            <a:chOff x="0" y="0"/>
+            <a:chExt cx="1618573" cy="722058"/>
+          </a:xfrm>
+        </p:grpSpPr>
+        <p:sp>
+          <p:nvSpPr>
+            <p:cNvPr name="Freeform 6" id="6"/>
+            <p:cNvSpPr/>
+            <p:nvPr/>
+          </p:nvSpPr>
+          <p:spPr>
+            <a:xfrm flipH="false" flipV="false" rot="0">
+              <a:off x="0" y="0"/>
+              <a:ext cx="1618573" cy="722058"/>
+            </a:xfrm>
+            <a:custGeom>
+              <a:avLst/>
+              <a:gdLst/>
+              <a:ahLst/>
+              <a:cxnLst/>
+              <a:rect r="r" b="b" t="t" l="l"/>
+              <a:pathLst>
+                <a:path h="722058" w="1618573">
+                  <a:moveTo>
+                    <a:pt x="64248" y="0"/>
+                  </a:moveTo>
+                  <a:lnTo>
+                    <a:pt x="1554325" y="0"/>
+                  </a:lnTo>
+                  <a:cubicBezTo>
+                    <a:pt x="1571364" y="0"/>
+                    <a:pt x="1587706" y="6769"/>
+                    <a:pt x="1599755" y="18818"/>
+                  </a:cubicBezTo>
+                  <a:cubicBezTo>
+                    <a:pt x="1611804" y="30867"/>
+                    <a:pt x="1618573" y="47208"/>
+                    <a:pt x="1618573" y="64248"/>
+                  </a:cubicBezTo>
+                  <a:lnTo>
+                    <a:pt x="1618573" y="657810"/>
+                  </a:lnTo>
+                  <a:cubicBezTo>
+                    <a:pt x="1618573" y="674850"/>
+                    <a:pt x="1611804" y="691191"/>
+                    <a:pt x="1599755" y="703240"/>
+                  </a:cubicBezTo>
+                  <a:cubicBezTo>
+                    <a:pt x="1587706" y="715289"/>
+                    <a:pt x="1571364" y="722058"/>
+                    <a:pt x="1554325" y="722058"/>
+                  </a:cubicBezTo>
+                  <a:lnTo>
+                    <a:pt x="64248" y="722058"/>
+                  </a:lnTo>
+                  <a:cubicBezTo>
+                    <a:pt x="47208" y="722058"/>
+                    <a:pt x="30867" y="715289"/>
+                    <a:pt x="18818" y="703240"/>
+                  </a:cubicBezTo>
+                  <a:cubicBezTo>
+                    <a:pt x="6769" y="691191"/>
+                    <a:pt x="0" y="674850"/>
+                    <a:pt x="0" y="657810"/>
+                  </a:cubicBezTo>
+                  <a:lnTo>
+                    <a:pt x="0" y="64248"/>
+                  </a:lnTo>
+                  <a:cubicBezTo>
+                    <a:pt x="0" y="47208"/>
+                    <a:pt x="6769" y="30867"/>
+                    <a:pt x="18818" y="18818"/>
+                  </a:cubicBezTo>
+                  <a:cubicBezTo>
+                    <a:pt x="30867" y="6769"/>
+                    <a:pt x="47208" y="0"/>
+                    <a:pt x="64248" y="0"/>
+                  </a:cubicBezTo>
+                  <a:close/>
+                </a:path>
+              </a:pathLst>
+            </a:custGeom>
+            <a:solidFill>
+              <a:srgbClr val="FFE9E9"/>
+            </a:solidFill>
+          </p:spPr>
+        </p:sp>
+        <p:sp>
+          <p:nvSpPr>
+            <p:cNvPr name="TextBox 7" id="7"/>
+            <p:cNvSpPr txBox="true"/>
+            <p:nvPr/>
+          </p:nvSpPr>
+          <p:spPr>
+            <a:xfrm>
+              <a:off x="0" y="-333375"/>
+              <a:ext cx="1618573" cy="1055433"/>
+            </a:xfrm>
+            <a:prstGeom prst="rect">
+              <a:avLst/>
+            </a:prstGeom>
+          </p:spPr>
+          <p:txBody>
+            <a:bodyPr anchor="ctr" rtlCol="false" tIns="50800" lIns="50800" bIns="50800" rIns="50800"/>
+            <a:lstStyle/>
+            <a:p>
+              <a:pPr algn="ctr">
+                <a:lnSpc>
+                  <a:spcPts val="6249"/>
+                </a:lnSpc>
+              </a:pPr>
+            </a:p>
+          </p:txBody>
+        </p:sp>
+      </p:grpSp>
+      <p:sp>
+        <p:nvSpPr>
+          <p:cNvPr name="AutoShape 8" id="8"/>
+          <p:cNvSpPr/>
+          <p:nvPr/>
+        </p:nvSpPr>
+        <p:spPr>
+          <a:xfrm>
+            <a:off x="-2185362" y="3210262"/>
+            <a:ext cx="8918179" cy="19050"/>
+          </a:xfrm>
+          <a:prstGeom prst="line">
+            <a:avLst/>
+          </a:prstGeom>
+          <a:ln cap="flat" w="28575">
+            <a:solidFill>
+              <a:srgbClr val="000000"/>
+            </a:solidFill>
+            <a:prstDash val="solid"/>
+            <a:headEnd type="none" len="sm" w="sm"/>
+            <a:tailEnd type="none" len="sm" w="sm"/>
+          </a:ln>
+        </p:spPr>
+      </p:sp>
+      <p:sp>
+        <p:nvSpPr>
+          <p:cNvPr name="TextBox 9" id="9"/>
+          <p:cNvSpPr txBox="true"/>
+          <p:nvPr/>
+        </p:nvSpPr>
+        <p:spPr>
+          <a:xfrm rot="0">
+            <a:off x="1115297" y="1143000"/>
+            <a:ext cx="7457996" cy="778521"/>
+          </a:xfrm>
+          <a:prstGeom prst="rect">
+            <a:avLst/>
+          </a:prstGeom>
+        </p:spPr>
+        <p:txBody>
+          <a:bodyPr anchor="t" rtlCol="false" tIns="0" lIns="0" bIns="0" rIns="0">
+            <a:spAutoFit/>
+          </a:bodyPr>
+          <a:lstStyle/>
+          <a:p>
+            <a:pPr algn="l">
+              <a:lnSpc>
+                <a:spcPts val="5900"/>
+              </a:lnSpc>
+            </a:pPr>
+            <a:r>
+              <a:rPr lang="en-US" sz="5900" b="true">
+                <a:solidFill>
+                  <a:srgbClr val="000000"/>
+                </a:solidFill>
+                <a:latin typeface="Canva Sans Bold"/>
+                <a:ea typeface="Canva Sans Bold"/>
+                <a:cs typeface="Canva Sans Bold"/>
+                <a:sym typeface="Canva Sans Bold"/>
+              </a:rPr>
+              <a:t>Critical Analysis</a:t>
+            </a:r>
+          </a:p>
+        </p:txBody>
+      </p:sp>
+      <p:sp>
+        <p:nvSpPr>
+          <p:cNvPr name="TextBox 10" id="10"/>
+          <p:cNvSpPr txBox="true"/>
+          <p:nvPr/>
+        </p:nvSpPr>
+        <p:spPr>
+          <a:xfrm rot="0">
+            <a:off x="1115297" y="2007880"/>
+            <a:ext cx="6760254" cy="1018550"/>
+          </a:xfrm>
+          <a:prstGeom prst="rect">
+            <a:avLst/>
+          </a:prstGeom>
+        </p:spPr>
+        <p:txBody>
+          <a:bodyPr anchor="t" rtlCol="false" tIns="0" lIns="0" bIns="0" rIns="0">
+            <a:spAutoFit/>
+          </a:bodyPr>
+          <a:lstStyle/>
+          <a:p>
+            <a:pPr algn="l">
+              <a:lnSpc>
+                <a:spcPts val="7100"/>
+              </a:lnSpc>
+            </a:pPr>
+            <a:r>
+              <a:rPr lang="en-US" sz="7100" b="true">
+                <a:solidFill>
+                  <a:srgbClr val="8D0000"/>
+                </a:solidFill>
+                <a:latin typeface="Poppins Bold"/>
+                <a:ea typeface="Poppins Bold"/>
+                <a:cs typeface="Poppins Bold"/>
+                <a:sym typeface="Poppins Bold"/>
+              </a:rPr>
+              <a:t>APACHE FLINK</a:t>
+            </a:r>
+          </a:p>
+        </p:txBody>
+      </p:sp>
+      <p:sp>
+        <p:nvSpPr>
+          <p:cNvPr name="TextBox 11" id="11"/>
+          <p:cNvSpPr txBox="true"/>
+          <p:nvPr/>
+        </p:nvSpPr>
+        <p:spPr>
+          <a:xfrm rot="0">
+            <a:off x="464556" y="3548220"/>
+            <a:ext cx="8679444" cy="1956435"/>
+          </a:xfrm>
+          <a:prstGeom prst="rect">
+            <a:avLst/>
+          </a:prstGeom>
+        </p:spPr>
+        <p:txBody>
+          <a:bodyPr anchor="t" rtlCol="false" tIns="0" lIns="0" bIns="0" rIns="0">
+            <a:spAutoFit/>
+          </a:bodyPr>
+          <a:lstStyle/>
+          <a:p>
+            <a:pPr algn="l">
+              <a:lnSpc>
+                <a:spcPts val="3104"/>
+              </a:lnSpc>
+            </a:pPr>
+            <a:r>
+              <a:rPr lang="en-US" sz="2299" spc="71" b="true">
+                <a:solidFill>
+                  <a:srgbClr val="2B2B2B"/>
+                </a:solidFill>
+                <a:latin typeface="Poppins Bold"/>
+                <a:ea typeface="Poppins Bold"/>
+                <a:cs typeface="Poppins Bold"/>
+                <a:sym typeface="Poppins Bold"/>
+              </a:rPr>
+              <a:t>Strengths:</a:t>
+            </a:r>
+          </a:p>
+          <a:p>
+            <a:pPr algn="l" marL="496567" indent="-248284" lvl="1">
+              <a:lnSpc>
+                <a:spcPts val="3104"/>
+              </a:lnSpc>
+              <a:buFont typeface="Arial"/>
+              <a:buChar char="•"/>
+            </a:pPr>
+            <a:r>
+              <a:rPr lang="en-US" sz="2299" spc="71">
+                <a:solidFill>
+                  <a:srgbClr val="2B2B2B"/>
+                </a:solidFill>
+                <a:latin typeface="Poppins"/>
+                <a:ea typeface="Poppins"/>
+                <a:cs typeface="Poppins"/>
+                <a:sym typeface="Poppins"/>
+              </a:rPr>
+              <a:t>Handles larger datasets and nodes efficiently.</a:t>
+            </a:r>
+          </a:p>
+          <a:p>
+            <a:pPr algn="l" marL="496567" indent="-248284" lvl="1">
+              <a:lnSpc>
+                <a:spcPts val="3104"/>
+              </a:lnSpc>
+              <a:buFont typeface="Arial"/>
+              <a:buChar char="•"/>
+            </a:pPr>
+            <a:r>
+              <a:rPr lang="en-US" sz="2299" spc="71">
+                <a:solidFill>
+                  <a:srgbClr val="2B2B2B"/>
+                </a:solidFill>
+                <a:latin typeface="Poppins"/>
+                <a:ea typeface="Poppins"/>
+                <a:cs typeface="Poppins"/>
+                <a:sym typeface="Poppins"/>
+              </a:rPr>
+              <a:t>Linear scaling with data volume, stable memory use.</a:t>
+            </a:r>
+          </a:p>
+          <a:p>
+            <a:pPr algn="l" marL="496567" indent="-248284" lvl="1">
+              <a:lnSpc>
+                <a:spcPts val="3104"/>
+              </a:lnSpc>
+              <a:buFont typeface="Arial"/>
+              <a:buChar char="•"/>
+            </a:pPr>
+            <a:r>
+              <a:rPr lang="en-US" sz="2299" spc="71">
+                <a:solidFill>
+                  <a:srgbClr val="2B2B2B"/>
+                </a:solidFill>
+                <a:latin typeface="Poppins"/>
+                <a:ea typeface="Poppins"/>
+                <a:cs typeface="Poppins"/>
+                <a:sym typeface="Poppins"/>
+              </a:rPr>
+              <a:t>Same engine for batch and stream jobs.</a:t>
+            </a:r>
+          </a:p>
+          <a:p>
+            <a:pPr algn="l" marL="496567" indent="-248284" lvl="1">
+              <a:lnSpc>
+                <a:spcPts val="3104"/>
+              </a:lnSpc>
+              <a:spcBef>
+                <a:spcPct val="0"/>
+              </a:spcBef>
+              <a:buFont typeface="Arial"/>
+              <a:buChar char="•"/>
+            </a:pPr>
+            <a:r>
+              <a:rPr lang="en-US" sz="2299" spc="71">
+                <a:solidFill>
+                  <a:srgbClr val="2B2B2B"/>
+                </a:solidFill>
+                <a:latin typeface="Poppins"/>
+                <a:ea typeface="Poppins"/>
+                <a:cs typeface="Poppins"/>
+                <a:sym typeface="Poppins"/>
+              </a:rPr>
+              <a:t>Fault tolerant.</a:t>
+            </a:r>
+          </a:p>
+        </p:txBody>
+      </p:sp>
+      <p:sp>
+        <p:nvSpPr>
+          <p:cNvPr name="TextBox 12" id="12"/>
+          <p:cNvSpPr txBox="true"/>
+          <p:nvPr/>
+        </p:nvSpPr>
+        <p:spPr>
+          <a:xfrm rot="0">
+            <a:off x="9144000" y="3548220"/>
+            <a:ext cx="8679444" cy="1956435"/>
+          </a:xfrm>
+          <a:prstGeom prst="rect">
+            <a:avLst/>
+          </a:prstGeom>
+        </p:spPr>
+        <p:txBody>
+          <a:bodyPr anchor="t" rtlCol="false" tIns="0" lIns="0" bIns="0" rIns="0">
+            <a:spAutoFit/>
+          </a:bodyPr>
+          <a:lstStyle/>
+          <a:p>
+            <a:pPr algn="l">
+              <a:lnSpc>
+                <a:spcPts val="3104"/>
+              </a:lnSpc>
+            </a:pPr>
+            <a:r>
+              <a:rPr lang="en-US" sz="2299" spc="71" b="true">
+                <a:solidFill>
+                  <a:srgbClr val="2B2B2B"/>
+                </a:solidFill>
+                <a:latin typeface="Poppins Bold"/>
+                <a:ea typeface="Poppins Bold"/>
+                <a:cs typeface="Poppins Bold"/>
+                <a:sym typeface="Poppins Bold"/>
+              </a:rPr>
+              <a:t>Limitations:</a:t>
+            </a:r>
+          </a:p>
+          <a:p>
+            <a:pPr algn="l" marL="496567" indent="-248284" lvl="1">
+              <a:lnSpc>
+                <a:spcPts val="3104"/>
+              </a:lnSpc>
+              <a:buFont typeface="Arial"/>
+              <a:buChar char="•"/>
+            </a:pPr>
+            <a:r>
+              <a:rPr lang="en-US" sz="2299" spc="71">
+                <a:solidFill>
+                  <a:srgbClr val="2B2B2B"/>
+                </a:solidFill>
+                <a:latin typeface="Poppins"/>
+                <a:ea typeface="Poppins"/>
+                <a:cs typeface="Poppins"/>
+                <a:sym typeface="Poppins"/>
+              </a:rPr>
+              <a:t>Short jobs suffer from JVM and submission latency.</a:t>
+            </a:r>
+          </a:p>
+          <a:p>
+            <a:pPr algn="l" marL="496567" indent="-248284" lvl="1">
+              <a:lnSpc>
+                <a:spcPts val="3104"/>
+              </a:lnSpc>
+              <a:buFont typeface="Arial"/>
+              <a:buChar char="•"/>
+            </a:pPr>
+            <a:r>
+              <a:rPr lang="en-US" sz="2299" spc="71">
+                <a:solidFill>
+                  <a:srgbClr val="2B2B2B"/>
+                </a:solidFill>
+                <a:latin typeface="Poppins"/>
+                <a:ea typeface="Poppins"/>
+                <a:cs typeface="Poppins"/>
+                <a:sym typeface="Poppins"/>
+              </a:rPr>
+              <a:t>Multi-node increases shuffle/coordination overhead.</a:t>
+            </a:r>
+          </a:p>
+          <a:p>
+            <a:pPr algn="l" marL="496567" indent="-248284" lvl="1">
+              <a:lnSpc>
+                <a:spcPts val="3104"/>
+              </a:lnSpc>
+              <a:buFont typeface="Arial"/>
+              <a:buChar char="•"/>
+            </a:pPr>
+            <a:r>
+              <a:rPr lang="en-US" sz="2299" spc="71">
+                <a:solidFill>
+                  <a:srgbClr val="2B2B2B"/>
+                </a:solidFill>
+                <a:latin typeface="Poppins"/>
+                <a:ea typeface="Poppins"/>
+                <a:cs typeface="Poppins"/>
+                <a:sym typeface="Poppins"/>
+              </a:rPr>
+              <a:t>Requires careful file visibility and permissions.</a:t>
+            </a:r>
+          </a:p>
+          <a:p>
+            <a:pPr algn="l" marL="496567" indent="-248284" lvl="1">
+              <a:lnSpc>
+                <a:spcPts val="3104"/>
+              </a:lnSpc>
+              <a:spcBef>
+                <a:spcPct val="0"/>
+              </a:spcBef>
+              <a:buFont typeface="Arial"/>
+              <a:buChar char="•"/>
+            </a:pPr>
+            <a:r>
+              <a:rPr lang="en-US" sz="2299" spc="71">
+                <a:solidFill>
+                  <a:srgbClr val="2B2B2B"/>
+                </a:solidFill>
+                <a:latin typeface="Poppins"/>
+                <a:ea typeface="Poppins"/>
+                <a:cs typeface="Poppins"/>
+                <a:sym typeface="Poppins"/>
+              </a:rPr>
+              <a:t>Slow Windows I/O compared to Linux environments.</a:t>
+            </a:r>
+          </a:p>
+        </p:txBody>
+      </p:sp>
+      <p:sp>
+        <p:nvSpPr>
+          <p:cNvPr name="TextBox 13" id="13"/>
+          <p:cNvSpPr txBox="true"/>
+          <p:nvPr/>
+        </p:nvSpPr>
+        <p:spPr>
+          <a:xfrm rot="0">
+            <a:off x="627762" y="6437640"/>
+            <a:ext cx="17195681" cy="1956435"/>
+          </a:xfrm>
+          <a:prstGeom prst="rect">
+            <a:avLst/>
+          </a:prstGeom>
+        </p:spPr>
+        <p:txBody>
+          <a:bodyPr anchor="t" rtlCol="false" tIns="0" lIns="0" bIns="0" rIns="0">
+            <a:spAutoFit/>
+          </a:bodyPr>
+          <a:lstStyle/>
+          <a:p>
+            <a:pPr algn="l">
+              <a:lnSpc>
+                <a:spcPts val="3104"/>
+              </a:lnSpc>
+            </a:pPr>
+            <a:r>
+              <a:rPr lang="en-US" sz="2299" spc="71" b="true">
+                <a:solidFill>
+                  <a:srgbClr val="2B2B2B"/>
+                </a:solidFill>
+                <a:latin typeface="Poppins Bold"/>
+                <a:ea typeface="Poppins Bold"/>
+                <a:cs typeface="Poppins Bold"/>
+                <a:sym typeface="Poppins Bold"/>
+              </a:rPr>
+              <a:t>Possible improvements:</a:t>
+            </a:r>
+          </a:p>
+          <a:p>
+            <a:pPr algn="l" marL="496567" indent="-248284" lvl="1">
+              <a:lnSpc>
+                <a:spcPts val="3104"/>
+              </a:lnSpc>
+              <a:buFont typeface="Arial"/>
+              <a:buChar char="•"/>
+            </a:pPr>
+            <a:r>
+              <a:rPr lang="en-US" sz="2299" spc="71">
+                <a:solidFill>
+                  <a:srgbClr val="2B2B2B"/>
+                </a:solidFill>
+                <a:latin typeface="Poppins"/>
+                <a:ea typeface="Poppins"/>
+                <a:cs typeface="Poppins"/>
+                <a:sym typeface="Poppins"/>
+              </a:rPr>
+              <a:t>Use native Linux or cloud clusters for more realistic performance.</a:t>
+            </a:r>
+          </a:p>
+          <a:p>
+            <a:pPr algn="l" marL="496567" indent="-248284" lvl="1">
+              <a:lnSpc>
+                <a:spcPts val="3104"/>
+              </a:lnSpc>
+              <a:buFont typeface="Arial"/>
+              <a:buChar char="•"/>
+            </a:pPr>
+            <a:r>
+              <a:rPr lang="en-US" sz="2299" spc="71">
+                <a:solidFill>
+                  <a:srgbClr val="2B2B2B"/>
+                </a:solidFill>
+                <a:latin typeface="Poppins"/>
+                <a:ea typeface="Poppins"/>
+                <a:cs typeface="Poppins"/>
+                <a:sym typeface="Poppins"/>
+              </a:rPr>
+              <a:t>Automate data distribution with HDFS/S3 instead of manual copying.</a:t>
+            </a:r>
+          </a:p>
+          <a:p>
+            <a:pPr algn="l" marL="496567" indent="-248284" lvl="1">
+              <a:lnSpc>
+                <a:spcPts val="3104"/>
+              </a:lnSpc>
+              <a:buFont typeface="Arial"/>
+              <a:buChar char="•"/>
+            </a:pPr>
+            <a:r>
+              <a:rPr lang="en-US" sz="2299" spc="71">
+                <a:solidFill>
+                  <a:srgbClr val="2B2B2B"/>
+                </a:solidFill>
+                <a:latin typeface="Poppins"/>
+                <a:ea typeface="Poppins"/>
+                <a:cs typeface="Poppins"/>
+                <a:sym typeface="Poppins"/>
+              </a:rPr>
+              <a:t>Integrate Flink SQL or Kafka to explore streaming workloads.</a:t>
+            </a:r>
+          </a:p>
+          <a:p>
+            <a:pPr algn="l" marL="496567" indent="-248284" lvl="1">
+              <a:lnSpc>
+                <a:spcPts val="3104"/>
+              </a:lnSpc>
+              <a:spcBef>
+                <a:spcPct val="0"/>
+              </a:spcBef>
+              <a:buFont typeface="Arial"/>
+              <a:buChar char="•"/>
+            </a:pPr>
+            <a:r>
+              <a:rPr lang="en-US" sz="2299" spc="71">
+                <a:solidFill>
+                  <a:srgbClr val="2B2B2B"/>
+                </a:solidFill>
+                <a:latin typeface="Poppins"/>
+                <a:ea typeface="Poppins"/>
+                <a:cs typeface="Poppins"/>
+                <a:sym typeface="Poppins"/>
+              </a:rPr>
+              <a:t>Enable profiling dashboards for deeper analysis.</a:t>
             </a:r>
           </a:p>
         </p:txBody>
